--- a/MemoCards_Ite2.pptx
+++ b/MemoCards_Ite2.pptx
@@ -12,9 +12,10 @@
     <p:sldId id="259" r:id="rId6"/>
     <p:sldId id="260" r:id="rId7"/>
     <p:sldId id="261" r:id="rId8"/>
-    <p:sldId id="262" r:id="rId9"/>
-    <p:sldId id="263" r:id="rId10"/>
-    <p:sldId id="264" r:id="rId11"/>
+    <p:sldId id="265" r:id="rId9"/>
+    <p:sldId id="262" r:id="rId10"/>
+    <p:sldId id="263" r:id="rId11"/>
+    <p:sldId id="264" r:id="rId12"/>
   </p:sldIdLst>
   <p:sldSz cx="12192000" cy="6858000"/>
   <p:notesSz cx="7559675" cy="10691813"/>
@@ -3291,7 +3292,7 @@
                 </a:solidFill>
                 <a:latin typeface="Calibri"/>
               </a:rPr>
-              <a:t>16/12/2018</a:t>
+              <a:t>07/01/2019</a:t>
             </a:fld>
             <a:endParaRPr lang="fr-FR" sz="1200" b="0" strike="noStrike" spc="-1">
               <a:latin typeface="Times New Roman"/>
@@ -4096,7 +4097,7 @@
                 </a:solidFill>
                 <a:latin typeface="Calibri"/>
               </a:rPr>
-              <a:t>16/12/2018</a:t>
+              <a:t>07/01/2019</a:t>
             </a:fld>
             <a:endParaRPr lang="fr-FR" sz="1200" b="0" strike="noStrike" spc="-1">
               <a:latin typeface="Times New Roman"/>
@@ -4770,6 +4771,407 @@
 </p:sld>
 </file>
 
+<file path=ppt/slides/slide10.xml><?xml version="1.0" encoding="utf-8"?>
+<p:sld xmlns:a="http://schemas.openxmlformats.org/drawingml/2006/main" xmlns:r="http://schemas.openxmlformats.org/officeDocument/2006/relationships" xmlns:p="http://schemas.openxmlformats.org/presentationml/2006/main">
+  <p:cSld>
+    <p:spTree>
+      <p:nvGrpSpPr>
+        <p:cNvPr id="1" name=""/>
+        <p:cNvGrpSpPr/>
+        <p:nvPr/>
+      </p:nvGrpSpPr>
+      <p:grpSpPr>
+        <a:xfrm>
+          <a:off x="0" y="0"/>
+          <a:ext cx="0" cy="0"/>
+          <a:chOff x="0" y="0"/>
+          <a:chExt cx="0" cy="0"/>
+        </a:xfrm>
+      </p:grpSpPr>
+      <p:sp>
+        <p:nvSpPr>
+          <p:cNvPr id="127" name="CustomShape 1"/>
+          <p:cNvSpPr/>
+          <p:nvPr/>
+        </p:nvSpPr>
+        <p:spPr>
+          <a:xfrm flipH="1" flipV="1">
+            <a:off x="0" y="6192000"/>
+            <a:ext cx="12191760" cy="754560"/>
+          </a:xfrm>
+          <a:prstGeom prst="rect">
+            <a:avLst/>
+          </a:prstGeom>
+          <a:solidFill>
+            <a:schemeClr val="accent3">
+              <a:lumMod val="60000"/>
+              <a:lumOff val="40000"/>
+            </a:schemeClr>
+          </a:solidFill>
+          <a:ln>
+            <a:noFill/>
+          </a:ln>
+        </p:spPr>
+        <p:style>
+          <a:lnRef idx="2">
+            <a:schemeClr val="accent1">
+              <a:shade val="50000"/>
+            </a:schemeClr>
+          </a:lnRef>
+          <a:fillRef idx="1">
+            <a:schemeClr val="accent1"/>
+          </a:fillRef>
+          <a:effectRef idx="0">
+            <a:schemeClr val="accent1"/>
+          </a:effectRef>
+          <a:fontRef idx="minor"/>
+        </p:style>
+      </p:sp>
+      <p:sp>
+        <p:nvSpPr>
+          <p:cNvPr id="128" name="CustomShape 2"/>
+          <p:cNvSpPr/>
+          <p:nvPr/>
+        </p:nvSpPr>
+        <p:spPr>
+          <a:xfrm flipH="1" flipV="1">
+            <a:off x="0" y="0"/>
+            <a:ext cx="12191760" cy="1724400"/>
+          </a:xfrm>
+          <a:prstGeom prst="rect">
+            <a:avLst/>
+          </a:prstGeom>
+          <a:solidFill>
+            <a:schemeClr val="accent3">
+              <a:lumMod val="60000"/>
+              <a:lumOff val="40000"/>
+            </a:schemeClr>
+          </a:solidFill>
+          <a:ln>
+            <a:noFill/>
+          </a:ln>
+        </p:spPr>
+        <p:style>
+          <a:lnRef idx="2">
+            <a:schemeClr val="accent1">
+              <a:shade val="50000"/>
+            </a:schemeClr>
+          </a:lnRef>
+          <a:fillRef idx="1">
+            <a:schemeClr val="accent1"/>
+          </a:fillRef>
+          <a:effectRef idx="0">
+            <a:schemeClr val="accent1"/>
+          </a:effectRef>
+          <a:fontRef idx="minor"/>
+        </p:style>
+      </p:sp>
+      <p:sp>
+        <p:nvSpPr>
+          <p:cNvPr id="129" name="CustomShape 3"/>
+          <p:cNvSpPr/>
+          <p:nvPr/>
+        </p:nvSpPr>
+        <p:spPr>
+          <a:xfrm>
+            <a:off x="1626840" y="182520"/>
+            <a:ext cx="8938080" cy="1325160"/>
+          </a:xfrm>
+          <a:prstGeom prst="rect">
+            <a:avLst/>
+          </a:prstGeom>
+          <a:noFill/>
+          <a:ln>
+            <a:noFill/>
+          </a:ln>
+        </p:spPr>
+        <p:style>
+          <a:lnRef idx="0">
+            <a:scrgbClr r="0" g="0" b="0"/>
+          </a:lnRef>
+          <a:fillRef idx="0">
+            <a:scrgbClr r="0" g="0" b="0"/>
+          </a:fillRef>
+          <a:effectRef idx="0">
+            <a:scrgbClr r="0" g="0" b="0"/>
+          </a:effectRef>
+          <a:fontRef idx="minor"/>
+        </p:style>
+        <p:txBody>
+          <a:bodyPr anchor="ctr">
+            <a:normAutofit/>
+          </a:bodyPr>
+          <a:lstStyle/>
+          <a:p>
+            <a:pPr algn="ctr">
+              <a:lnSpc>
+                <a:spcPct val="100000"/>
+              </a:lnSpc>
+            </a:pPr>
+            <a:r>
+              <a:rPr lang="fr-FR" sz="4400" b="1" strike="noStrike" spc="-1" dirty="0">
+                <a:solidFill>
+                  <a:srgbClr val="000000"/>
+                </a:solidFill>
+                <a:latin typeface="Calibri Light"/>
+              </a:rPr>
+              <a:t>Prévisions pour la recette finale</a:t>
+            </a:r>
+            <a:endParaRPr lang="fr-FR" sz="4400" b="0" strike="noStrike" spc="-1" dirty="0">
+              <a:latin typeface="Arial"/>
+            </a:endParaRPr>
+          </a:p>
+        </p:txBody>
+      </p:sp>
+      <p:sp>
+        <p:nvSpPr>
+          <p:cNvPr id="130" name="TextShape 4"/>
+          <p:cNvSpPr txBox="1"/>
+          <p:nvPr/>
+        </p:nvSpPr>
+        <p:spPr>
+          <a:xfrm>
+            <a:off x="838080" y="1997280"/>
+            <a:ext cx="10515240" cy="3330720"/>
+          </a:xfrm>
+          <a:prstGeom prst="rect">
+            <a:avLst/>
+          </a:prstGeom>
+          <a:noFill/>
+          <a:ln>
+            <a:noFill/>
+          </a:ln>
+        </p:spPr>
+        <p:txBody>
+          <a:bodyPr/>
+          <a:lstStyle/>
+          <a:p>
+            <a:pPr>
+              <a:lnSpc>
+                <a:spcPct val="90000"/>
+              </a:lnSpc>
+              <a:spcBef>
+                <a:spcPts val="1001"/>
+              </a:spcBef>
+            </a:pPr>
+            <a:endParaRPr lang="fr-FR" sz="2800" b="0" strike="noStrike" spc="-1">
+              <a:solidFill>
+                <a:srgbClr val="000000"/>
+              </a:solidFill>
+              <a:latin typeface="Calibri"/>
+            </a:endParaRPr>
+          </a:p>
+          <a:p>
+            <a:pPr>
+              <a:lnSpc>
+                <a:spcPct val="90000"/>
+              </a:lnSpc>
+              <a:spcBef>
+                <a:spcPts val="1001"/>
+              </a:spcBef>
+            </a:pPr>
+            <a:endParaRPr lang="fr-FR" sz="2800" b="0" strike="noStrike" spc="-1">
+              <a:solidFill>
+                <a:srgbClr val="000000"/>
+              </a:solidFill>
+              <a:latin typeface="Calibri"/>
+            </a:endParaRPr>
+          </a:p>
+        </p:txBody>
+      </p:sp>
+      <p:pic>
+        <p:nvPicPr>
+          <p:cNvPr id="131" name="Image 2"/>
+          <p:cNvPicPr/>
+          <p:nvPr/>
+        </p:nvPicPr>
+        <p:blipFill>
+          <a:blip r:embed="rId2"/>
+          <a:stretch/>
+        </p:blipFill>
+        <p:spPr>
+          <a:xfrm>
+            <a:off x="10162800" y="6294600"/>
+            <a:ext cx="1938240" cy="497520"/>
+          </a:xfrm>
+          <a:prstGeom prst="rect">
+            <a:avLst/>
+          </a:prstGeom>
+          <a:ln>
+            <a:noFill/>
+          </a:ln>
+        </p:spPr>
+      </p:pic>
+      <p:sp>
+        <p:nvSpPr>
+          <p:cNvPr id="132" name="TextShape 5"/>
+          <p:cNvSpPr txBox="1"/>
+          <p:nvPr/>
+        </p:nvSpPr>
+        <p:spPr>
+          <a:xfrm>
+            <a:off x="0" y="1724400"/>
+            <a:ext cx="12191760" cy="4050720"/>
+          </a:xfrm>
+          <a:prstGeom prst="rect">
+            <a:avLst/>
+          </a:prstGeom>
+          <a:noFill/>
+          <a:ln>
+            <a:noFill/>
+          </a:ln>
+        </p:spPr>
+        <p:txBody>
+          <a:bodyPr lIns="90000" tIns="45000" rIns="90000" bIns="45000"/>
+          <a:lstStyle/>
+          <a:p>
+            <a:pPr marL="742950" indent="-742950">
+              <a:buClr>
+                <a:srgbClr val="000000"/>
+              </a:buClr>
+              <a:buSzPct val="45000"/>
+              <a:buFont typeface="Wingdings" panose="05000000000000000000" pitchFamily="2" charset="2"/>
+              <a:buChar char="q"/>
+            </a:pPr>
+            <a:r>
+              <a:rPr lang="fr-FR" sz="4400" b="0" strike="noStrike" spc="-1" dirty="0">
+                <a:latin typeface="Arial"/>
+              </a:rPr>
+              <a:t> V. </a:t>
+            </a:r>
+            <a:r>
+              <a:rPr lang="fr-FR" sz="4400" b="0" strike="noStrike" spc="-1" dirty="0" err="1">
+                <a:latin typeface="Arial"/>
+              </a:rPr>
+              <a:t>Cardstore</a:t>
+            </a:r>
+            <a:endParaRPr lang="fr-FR" sz="4400" b="0" strike="noStrike" spc="-1" dirty="0">
+              <a:latin typeface="Arial"/>
+            </a:endParaRPr>
+          </a:p>
+          <a:p>
+            <a:pPr marL="742950" indent="-742950">
+              <a:buClr>
+                <a:srgbClr val="000000"/>
+              </a:buClr>
+              <a:buSzPct val="45000"/>
+              <a:buFont typeface="Wingdings" panose="05000000000000000000" pitchFamily="2" charset="2"/>
+              <a:buChar char="q"/>
+            </a:pPr>
+            <a:r>
+              <a:rPr lang="fr-FR" sz="4400" b="0" strike="noStrike" spc="-1" dirty="0">
+                <a:latin typeface="Arial"/>
+              </a:rPr>
+              <a:t> Partie « admin »</a:t>
+            </a:r>
+          </a:p>
+          <a:p>
+            <a:pPr marL="742950" indent="-742950">
+              <a:buClr>
+                <a:srgbClr val="000000"/>
+              </a:buClr>
+              <a:buSzPct val="45000"/>
+              <a:buFont typeface="Wingdings" panose="05000000000000000000" pitchFamily="2" charset="2"/>
+              <a:buChar char="q"/>
+            </a:pPr>
+            <a:r>
+              <a:rPr lang="fr-FR" sz="4400" b="0" strike="noStrike" spc="-1" dirty="0">
+                <a:latin typeface="Arial"/>
+              </a:rPr>
+              <a:t> Amélioration du design</a:t>
+            </a:r>
+          </a:p>
+          <a:p>
+            <a:pPr marL="742950" indent="-742950">
+              <a:buClr>
+                <a:srgbClr val="000000"/>
+              </a:buClr>
+              <a:buSzPct val="45000"/>
+              <a:buFont typeface="Wingdings" panose="05000000000000000000" pitchFamily="2" charset="2"/>
+              <a:buChar char="q"/>
+            </a:pPr>
+            <a:r>
+              <a:rPr lang="fr-FR" sz="4400" spc="-1" dirty="0">
+                <a:latin typeface="Arial"/>
+              </a:rPr>
+              <a:t>API</a:t>
+            </a:r>
+          </a:p>
+          <a:p>
+            <a:pPr marL="742950" indent="-742950">
+              <a:buClr>
+                <a:srgbClr val="000000"/>
+              </a:buClr>
+              <a:buSzPct val="45000"/>
+              <a:buFont typeface="Wingdings" panose="05000000000000000000" pitchFamily="2" charset="2"/>
+              <a:buChar char="q"/>
+            </a:pPr>
+            <a:r>
+              <a:rPr lang="fr-FR" sz="4400" b="0" strike="noStrike" spc="-1" dirty="0">
+                <a:latin typeface="Arial"/>
+              </a:rPr>
+              <a:t>Recommandation de deck</a:t>
+            </a:r>
+          </a:p>
+          <a:p>
+            <a:pPr marL="742950" indent="-742950">
+              <a:buClr>
+                <a:srgbClr val="000000"/>
+              </a:buClr>
+              <a:buSzPct val="45000"/>
+              <a:buFont typeface="Wingdings" panose="05000000000000000000" pitchFamily="2" charset="2"/>
+              <a:buChar char="q"/>
+            </a:pPr>
+            <a:r>
+              <a:rPr lang="fr-FR" sz="4400" spc="-1" dirty="0">
+                <a:latin typeface="Arial"/>
+              </a:rPr>
+              <a:t>Sujets populaires forum</a:t>
+            </a:r>
+            <a:endParaRPr lang="fr-FR" sz="4400" b="0" strike="noStrike" spc="-1" dirty="0">
+              <a:latin typeface="Arial"/>
+            </a:endParaRPr>
+          </a:p>
+        </p:txBody>
+      </p:sp>
+    </p:spTree>
+  </p:cSld>
+  <p:clrMapOvr>
+    <a:masterClrMapping/>
+  </p:clrMapOvr>
+  <p:transition spd="slow">
+    <p:cover/>
+  </p:transition>
+  <p:timing>
+    <p:tnLst>
+      <p:par>
+        <p:cTn id="1" dur="indefinite" restart="never" nodeType="tmRoot">
+          <p:childTnLst>
+            <p:seq>
+              <p:cTn id="2" nodeType="mainSeq"/>
+              <p:prevCondLst>
+                <p:cond evt="onPrev" delay="0">
+                  <p:tgtEl>
+                    <p:sldTgt/>
+                  </p:tgtEl>
+                </p:cond>
+              </p:prevCondLst>
+              <p:nextCondLst>
+                <p:cond evt="onNext" delay="0">
+                  <p:tgtEl>
+                    <p:sldTgt/>
+                  </p:tgtEl>
+                </p:cond>
+              </p:nextCondLst>
+            </p:seq>
+          </p:childTnLst>
+        </p:cTn>
+      </p:par>
+    </p:tnLst>
+  </p:timing>
+</p:sld>
+</file>
+
 <file path=ppt/slides/slide2.xml><?xml version="1.0" encoding="utf-8"?>
 <p:sld xmlns:a="http://schemas.openxmlformats.org/drawingml/2006/main" xmlns:r="http://schemas.openxmlformats.org/officeDocument/2006/relationships" xmlns:p="http://schemas.openxmlformats.org/presentationml/2006/main">
   <p:cSld>
@@ -6419,7 +6821,7 @@
       </p:grpSpPr>
       <p:sp>
         <p:nvSpPr>
-          <p:cNvPr id="114" name="CustomShape 1"/>
+          <p:cNvPr id="109" name="CustomShape 1"/>
           <p:cNvSpPr/>
           <p:nvPr/>
         </p:nvSpPr>
@@ -6458,7 +6860,7 @@
       </p:sp>
       <p:sp>
         <p:nvSpPr>
-          <p:cNvPr id="115" name="CustomShape 2"/>
+          <p:cNvPr id="110" name="CustomShape 2"/>
           <p:cNvSpPr/>
           <p:nvPr/>
         </p:nvSpPr>
@@ -6495,38 +6897,9 @@
           <a:fontRef idx="minor"/>
         </p:style>
       </p:sp>
-      <p:pic>
-        <p:nvPicPr>
-          <p:cNvPr id="116" name="Image 11"/>
-          <p:cNvPicPr/>
-          <p:nvPr/>
-        </p:nvPicPr>
-        <p:blipFill>
-          <a:blip r:embed="rId2"/>
-          <a:stretch/>
-        </p:blipFill>
-        <p:spPr>
-          <a:xfrm>
-            <a:off x="10064880" y="6201720"/>
-            <a:ext cx="1938240" cy="497520"/>
-          </a:xfrm>
-          <a:prstGeom prst="rect">
-            <a:avLst/>
-          </a:prstGeom>
-          <a:ln>
-            <a:noFill/>
-          </a:ln>
-        </p:spPr>
-      </p:pic>
-      <p:sp>
-        <p:nvSpPr>
-          <p:cNvPr id="14" name="CustomShape 3">
-            <a:extLst>
-              <a:ext uri="{FF2B5EF4-FFF2-40B4-BE49-F238E27FC236}">
-                <a16:creationId xmlns:a16="http://schemas.microsoft.com/office/drawing/2014/main" id="{A018A6DB-178A-4F0E-879F-A32CD8FF989E}"/>
-              </a:ext>
-            </a:extLst>
-          </p:cNvPr>
+      <p:sp>
+        <p:nvSpPr>
+          <p:cNvPr id="111" name="CustomShape 3"/>
           <p:cNvSpPr/>
           <p:nvPr/>
         </p:nvSpPr>
@@ -6567,13 +6940,22 @@
               </a:lnSpc>
             </a:pPr>
             <a:r>
-              <a:rPr lang="fr-FR" sz="4400" b="1" spc="-1" dirty="0">
+              <a:rPr lang="fr-FR" sz="4400" b="1" strike="noStrike" spc="-1" dirty="0" err="1">
                 <a:solidFill>
                   <a:srgbClr val="000000"/>
                 </a:solidFill>
                 <a:latin typeface="Calibri Light"/>
               </a:rPr>
-              <a:t>Présentation du Trello</a:t>
+              <a:t>Objecitfs</a:t>
+            </a:r>
+            <a:r>
+              <a:rPr lang="fr-FR" sz="4400" b="1" strike="noStrike" spc="-1" dirty="0">
+                <a:solidFill>
+                  <a:srgbClr val="000000"/>
+                </a:solidFill>
+                <a:latin typeface="Calibri Light"/>
+              </a:rPr>
+              <a:t> fixés de l’ITE 2</a:t>
             </a:r>
             <a:endParaRPr lang="fr-FR" sz="4400" b="0" strike="noStrike" spc="-1" dirty="0">
               <a:latin typeface="Arial"/>
@@ -6583,35 +6965,93 @@
       </p:sp>
       <p:pic>
         <p:nvPicPr>
-          <p:cNvPr id="2" name="Image 1">
-            <a:extLst>
-              <a:ext uri="{FF2B5EF4-FFF2-40B4-BE49-F238E27FC236}">
-                <a16:creationId xmlns:a16="http://schemas.microsoft.com/office/drawing/2014/main" id="{EA84930B-AEFC-44FC-9882-FB23B0E14F02}"/>
-              </a:ext>
-            </a:extLst>
-          </p:cNvPr>
-          <p:cNvPicPr>
-            <a:picLocks noChangeAspect="1"/>
-          </p:cNvPicPr>
+          <p:cNvPr id="112" name="Image 11"/>
+          <p:cNvPicPr/>
           <p:nvPr/>
         </p:nvPicPr>
         <p:blipFill>
-          <a:blip r:embed="rId3"/>
-          <a:stretch>
-            <a:fillRect/>
-          </a:stretch>
+          <a:blip r:embed="rId2"/>
+          <a:stretch/>
         </p:blipFill>
         <p:spPr>
           <a:xfrm>
-            <a:off x="2252992" y="1724392"/>
-            <a:ext cx="7685775" cy="4323248"/>
-          </a:xfrm>
-          <a:prstGeom prst="rect">
-            <a:avLst/>
-          </a:prstGeom>
+            <a:off x="10064880" y="6201720"/>
+            <a:ext cx="1938240" cy="497520"/>
+          </a:xfrm>
+          <a:prstGeom prst="rect">
+            <a:avLst/>
+          </a:prstGeom>
+          <a:ln>
+            <a:noFill/>
+          </a:ln>
         </p:spPr>
       </p:pic>
+      <p:sp>
+        <p:nvSpPr>
+          <p:cNvPr id="113" name="TextShape 4"/>
+          <p:cNvSpPr txBox="1"/>
+          <p:nvPr/>
+        </p:nvSpPr>
+        <p:spPr>
+          <a:xfrm>
+            <a:off x="0" y="3429000"/>
+            <a:ext cx="12192000" cy="1397077"/>
+          </a:xfrm>
+          <a:prstGeom prst="rect">
+            <a:avLst/>
+          </a:prstGeom>
+          <a:noFill/>
+          <a:ln>
+            <a:noFill/>
+          </a:ln>
+        </p:spPr>
+        <p:txBody>
+          <a:bodyPr lIns="90000" tIns="45000" rIns="90000" bIns="45000"/>
+          <a:lstStyle/>
+          <a:p>
+            <a:pPr marL="685800" indent="-685800" algn="ctr">
+              <a:buClr>
+                <a:srgbClr val="000000"/>
+              </a:buClr>
+              <a:buSzPct val="45000"/>
+              <a:buFont typeface="Wingdings" panose="05000000000000000000" pitchFamily="2" charset="2"/>
+              <a:buChar char="q"/>
+            </a:pPr>
+            <a:r>
+              <a:rPr lang="fr-FR" sz="4800" b="0" strike="noStrike" spc="-1" dirty="0">
+                <a:latin typeface="Arial"/>
+              </a:rPr>
+              <a:t>V. </a:t>
+            </a:r>
+            <a:r>
+              <a:rPr lang="fr-FR" sz="4800" b="0" strike="noStrike" spc="-1" dirty="0" err="1">
+                <a:latin typeface="Arial"/>
+              </a:rPr>
+              <a:t>CardStore</a:t>
+            </a:r>
+            <a:endParaRPr lang="fr-FR" sz="4800" b="0" strike="noStrike" spc="-1" dirty="0">
+              <a:latin typeface="Arial"/>
+            </a:endParaRPr>
+          </a:p>
+          <a:p>
+            <a:pPr>
+              <a:buClr>
+                <a:srgbClr val="000000"/>
+              </a:buClr>
+              <a:buSzPct val="45000"/>
+            </a:pPr>
+            <a:endParaRPr lang="fr-FR" sz="4800" b="0" strike="noStrike" spc="-1" dirty="0">
+              <a:latin typeface="Arial"/>
+            </a:endParaRPr>
+          </a:p>
+        </p:txBody>
+      </p:sp>
     </p:spTree>
+    <p:extLst>
+      <p:ext uri="{BB962C8B-B14F-4D97-AF65-F5344CB8AC3E}">
+        <p14:creationId xmlns:p14="http://schemas.microsoft.com/office/powerpoint/2010/main" val="2760751004"/>
+      </p:ext>
+    </p:extLst>
   </p:cSld>
   <p:clrMapOvr>
     <a:masterClrMapping/>
@@ -6668,14 +7108,14 @@
       </p:grpSpPr>
       <p:sp>
         <p:nvSpPr>
-          <p:cNvPr id="122" name="CustomShape 1"/>
+          <p:cNvPr id="114" name="CustomShape 1"/>
           <p:cNvSpPr/>
           <p:nvPr/>
         </p:nvSpPr>
         <p:spPr>
           <a:xfrm flipH="1" flipV="1">
-            <a:off x="0" y="5634360"/>
-            <a:ext cx="12191760" cy="1312920"/>
+            <a:off x="0" y="6047640"/>
+            <a:ext cx="12191760" cy="899640"/>
           </a:xfrm>
           <a:prstGeom prst="rect">
             <a:avLst/>
@@ -6707,7 +7147,7 @@
       </p:sp>
       <p:sp>
         <p:nvSpPr>
-          <p:cNvPr id="123" name="CustomShape 2"/>
+          <p:cNvPr id="115" name="CustomShape 2"/>
           <p:cNvSpPr/>
           <p:nvPr/>
         </p:nvSpPr>
@@ -6744,9 +7184,38 @@
           <a:fontRef idx="minor"/>
         </p:style>
       </p:sp>
-      <p:sp>
-        <p:nvSpPr>
-          <p:cNvPr id="124" name="CustomShape 3"/>
+      <p:pic>
+        <p:nvPicPr>
+          <p:cNvPr id="116" name="Image 11"/>
+          <p:cNvPicPr/>
+          <p:nvPr/>
+        </p:nvPicPr>
+        <p:blipFill>
+          <a:blip r:embed="rId2"/>
+          <a:stretch/>
+        </p:blipFill>
+        <p:spPr>
+          <a:xfrm>
+            <a:off x="10064880" y="6201720"/>
+            <a:ext cx="1938240" cy="497520"/>
+          </a:xfrm>
+          <a:prstGeom prst="rect">
+            <a:avLst/>
+          </a:prstGeom>
+          <a:ln>
+            <a:noFill/>
+          </a:ln>
+        </p:spPr>
+      </p:pic>
+      <p:sp>
+        <p:nvSpPr>
+          <p:cNvPr id="14" name="CustomShape 3">
+            <a:extLst>
+              <a:ext uri="{FF2B5EF4-FFF2-40B4-BE49-F238E27FC236}">
+                <a16:creationId xmlns:a16="http://schemas.microsoft.com/office/drawing/2014/main" id="{A018A6DB-178A-4F0E-879F-A32CD8FF989E}"/>
+              </a:ext>
+            </a:extLst>
+          </p:cNvPr>
           <p:cNvSpPr/>
           <p:nvPr/>
         </p:nvSpPr>
@@ -6787,223 +7256,48 @@
               </a:lnSpc>
             </a:pPr>
             <a:r>
-              <a:rPr lang="fr-FR" sz="4400" b="1" strike="noStrike" spc="-1">
+              <a:rPr lang="fr-FR" sz="4400" b="1" spc="-1" dirty="0">
                 <a:solidFill>
                   <a:srgbClr val="000000"/>
                 </a:solidFill>
                 <a:latin typeface="Calibri Light"/>
               </a:rPr>
-              <a:t>Démonstration du site</a:t>
+              <a:t>Présentation du Trello</a:t>
             </a:r>
-            <a:endParaRPr lang="fr-FR" sz="4400" b="0" strike="noStrike" spc="-1">
+            <a:endParaRPr lang="fr-FR" sz="4400" b="0" strike="noStrike" spc="-1" dirty="0">
               <a:latin typeface="Arial"/>
             </a:endParaRPr>
-          </a:p>
-        </p:txBody>
-      </p:sp>
-      <p:sp>
-        <p:nvSpPr>
-          <p:cNvPr id="125" name="TextShape 4"/>
-          <p:cNvSpPr txBox="1"/>
-          <p:nvPr/>
-        </p:nvSpPr>
-        <p:spPr>
-          <a:xfrm>
-            <a:off x="838080" y="1724760"/>
-            <a:ext cx="11076120" cy="3909960"/>
-          </a:xfrm>
-          <a:prstGeom prst="rect">
-            <a:avLst/>
-          </a:prstGeom>
-          <a:noFill/>
-          <a:ln>
-            <a:noFill/>
-          </a:ln>
-        </p:spPr>
-        <p:txBody>
-          <a:bodyPr>
-            <a:normAutofit/>
-          </a:bodyPr>
-          <a:lstStyle/>
-          <a:p>
-            <a:pPr marL="457560" indent="-457200">
-              <a:lnSpc>
-                <a:spcPct val="90000"/>
-              </a:lnSpc>
-              <a:spcBef>
-                <a:spcPts val="1001"/>
-              </a:spcBef>
-              <a:buClr>
-                <a:srgbClr val="000000"/>
-              </a:buClr>
-              <a:buFont typeface="Wingdings" panose="05000000000000000000" pitchFamily="2" charset="2"/>
-              <a:buChar char="q"/>
-            </a:pPr>
-            <a:r>
-              <a:rPr lang="fr-FR" sz="2800" b="0" strike="noStrike" spc="-1" dirty="0">
-                <a:solidFill>
-                  <a:srgbClr val="000000"/>
-                </a:solidFill>
-                <a:latin typeface="Calibri"/>
-              </a:rPr>
-              <a:t>Inscription</a:t>
-            </a:r>
-          </a:p>
-          <a:p>
-            <a:pPr marL="457560" indent="-457200">
-              <a:lnSpc>
-                <a:spcPct val="90000"/>
-              </a:lnSpc>
-              <a:spcBef>
-                <a:spcPts val="1001"/>
-              </a:spcBef>
-              <a:buClr>
-                <a:srgbClr val="000000"/>
-              </a:buClr>
-              <a:buFont typeface="Wingdings" panose="05000000000000000000" pitchFamily="2" charset="2"/>
-              <a:buChar char="q"/>
-            </a:pPr>
-            <a:r>
-              <a:rPr lang="fr-FR" sz="2800" b="0" strike="noStrike" spc="-1" dirty="0">
-                <a:solidFill>
-                  <a:srgbClr val="000000"/>
-                </a:solidFill>
-                <a:latin typeface="Calibri"/>
-              </a:rPr>
-              <a:t>Connection en temps qu’utilisateur:</a:t>
-            </a:r>
-          </a:p>
-          <a:p>
-            <a:pPr marL="457200" indent="-457200">
-              <a:lnSpc>
-                <a:spcPct val="100000"/>
-              </a:lnSpc>
-              <a:spcBef>
-                <a:spcPts val="1001"/>
-              </a:spcBef>
-              <a:buFont typeface="Wingdings" panose="05000000000000000000" pitchFamily="2" charset="2"/>
-              <a:buChar char="q"/>
-            </a:pPr>
-            <a:r>
-              <a:rPr lang="fr-FR" sz="2800" b="0" strike="noStrike" spc="-1" dirty="0">
-                <a:solidFill>
-                  <a:srgbClr val="000000"/>
-                </a:solidFill>
-                <a:latin typeface="Calibri"/>
-              </a:rPr>
-              <a:t>- Présentation « Home » et ses possibilités</a:t>
-            </a:r>
-          </a:p>
-          <a:p>
-            <a:pPr marL="457200" indent="-457200">
-              <a:lnSpc>
-                <a:spcPct val="100000"/>
-              </a:lnSpc>
-              <a:spcBef>
-                <a:spcPts val="1001"/>
-              </a:spcBef>
-              <a:buFont typeface="Wingdings" panose="05000000000000000000" pitchFamily="2" charset="2"/>
-              <a:buChar char="q"/>
-            </a:pPr>
-            <a:r>
-              <a:rPr lang="fr-FR" sz="2800" b="0" strike="noStrike" spc="-1" dirty="0">
-                <a:solidFill>
-                  <a:srgbClr val="000000"/>
-                </a:solidFill>
-                <a:latin typeface="Calibri"/>
-              </a:rPr>
-              <a:t>- Présentation « Profile » et ses possibilités</a:t>
-            </a:r>
-          </a:p>
-          <a:p>
-            <a:pPr marL="457200" indent="-457200">
-              <a:lnSpc>
-                <a:spcPct val="100000"/>
-              </a:lnSpc>
-              <a:spcBef>
-                <a:spcPts val="1001"/>
-              </a:spcBef>
-              <a:buFont typeface="Wingdings" panose="05000000000000000000" pitchFamily="2" charset="2"/>
-              <a:buChar char="q"/>
-            </a:pPr>
-            <a:r>
-              <a:rPr lang="fr-FR" sz="2800" b="0" strike="noStrike" spc="-1" dirty="0">
-                <a:solidFill>
-                  <a:srgbClr val="000000"/>
-                </a:solidFill>
-                <a:latin typeface="Calibri"/>
-              </a:rPr>
-              <a:t>- Présentation « Inventory » et ses possibilités</a:t>
-            </a:r>
-          </a:p>
-          <a:p>
-            <a:pPr marL="457200" indent="-457200">
-              <a:lnSpc>
-                <a:spcPct val="100000"/>
-              </a:lnSpc>
-              <a:spcBef>
-                <a:spcPts val="1001"/>
-              </a:spcBef>
-              <a:buFont typeface="Wingdings" panose="05000000000000000000" pitchFamily="2" charset="2"/>
-              <a:buChar char="q"/>
-            </a:pPr>
-            <a:r>
-              <a:rPr lang="fr-FR" sz="2800" b="0" strike="noStrike" spc="-1" dirty="0">
-                <a:solidFill>
-                  <a:srgbClr val="000000"/>
-                </a:solidFill>
-                <a:latin typeface="Calibri"/>
-              </a:rPr>
-              <a:t>- Présentation « Forum » et ses possibilités</a:t>
-            </a:r>
-          </a:p>
-          <a:p>
-            <a:pPr marL="457560" indent="-457200">
-              <a:lnSpc>
-                <a:spcPct val="100000"/>
-              </a:lnSpc>
-              <a:spcBef>
-                <a:spcPts val="1001"/>
-              </a:spcBef>
-              <a:buClr>
-                <a:srgbClr val="000000"/>
-              </a:buClr>
-              <a:buFont typeface="Wingdings" panose="05000000000000000000" pitchFamily="2" charset="2"/>
-              <a:buChar char="q"/>
-            </a:pPr>
-            <a:r>
-              <a:rPr lang="fr-FR" sz="2800" b="0" strike="noStrike" spc="-1" dirty="0">
-                <a:solidFill>
-                  <a:srgbClr val="000000"/>
-                </a:solidFill>
-                <a:latin typeface="Calibri"/>
-              </a:rPr>
-              <a:t>Désinscription</a:t>
-            </a:r>
           </a:p>
         </p:txBody>
       </p:sp>
       <p:pic>
         <p:nvPicPr>
-          <p:cNvPr id="126" name="Image 11"/>
-          <p:cNvPicPr/>
+          <p:cNvPr id="2" name="Image 1">
+            <a:extLst>
+              <a:ext uri="{FF2B5EF4-FFF2-40B4-BE49-F238E27FC236}">
+                <a16:creationId xmlns:a16="http://schemas.microsoft.com/office/drawing/2014/main" id="{EA84930B-AEFC-44FC-9882-FB23B0E14F02}"/>
+              </a:ext>
+            </a:extLst>
+          </p:cNvPr>
+          <p:cNvPicPr>
+            <a:picLocks noChangeAspect="1"/>
+          </p:cNvPicPr>
           <p:nvPr/>
         </p:nvPicPr>
         <p:blipFill>
-          <a:blip r:embed="rId2"/>
-          <a:stretch/>
+          <a:blip r:embed="rId3"/>
+          <a:stretch>
+            <a:fillRect/>
+          </a:stretch>
         </p:blipFill>
         <p:spPr>
           <a:xfrm>
-            <a:off x="9976320" y="6177600"/>
-            <a:ext cx="1938240" cy="497520"/>
-          </a:xfrm>
-          <a:prstGeom prst="rect">
-            <a:avLst/>
-          </a:prstGeom>
-          <a:ln>
-            <a:noFill/>
-          </a:ln>
+            <a:off x="2252992" y="1724392"/>
+            <a:ext cx="7685775" cy="4323248"/>
+          </a:xfrm>
+          <a:prstGeom prst="rect">
+            <a:avLst/>
+          </a:prstGeom>
         </p:spPr>
       </p:pic>
     </p:spTree>
@@ -7063,14 +7357,14 @@
       </p:grpSpPr>
       <p:sp>
         <p:nvSpPr>
-          <p:cNvPr id="127" name="CustomShape 1"/>
+          <p:cNvPr id="122" name="CustomShape 1"/>
           <p:cNvSpPr/>
           <p:nvPr/>
         </p:nvSpPr>
         <p:spPr>
           <a:xfrm flipH="1" flipV="1">
-            <a:off x="0" y="6192000"/>
-            <a:ext cx="12191760" cy="754560"/>
+            <a:off x="0" y="5634360"/>
+            <a:ext cx="12191760" cy="1312920"/>
           </a:xfrm>
           <a:prstGeom prst="rect">
             <a:avLst/>
@@ -7102,7 +7396,7 @@
       </p:sp>
       <p:sp>
         <p:nvSpPr>
-          <p:cNvPr id="128" name="CustomShape 2"/>
+          <p:cNvPr id="123" name="CustomShape 2"/>
           <p:cNvSpPr/>
           <p:nvPr/>
         </p:nvSpPr>
@@ -7141,7 +7435,7 @@
       </p:sp>
       <p:sp>
         <p:nvSpPr>
-          <p:cNvPr id="129" name="CustomShape 3"/>
+          <p:cNvPr id="124" name="CustomShape 3"/>
           <p:cNvSpPr/>
           <p:nvPr/>
         </p:nvSpPr>
@@ -7182,15 +7476,15 @@
               </a:lnSpc>
             </a:pPr>
             <a:r>
-              <a:rPr lang="fr-FR" sz="4400" b="1" strike="noStrike" spc="-1" dirty="0">
+              <a:rPr lang="fr-FR" sz="4400" b="1" strike="noStrike" spc="-1">
                 <a:solidFill>
                   <a:srgbClr val="000000"/>
                 </a:solidFill>
                 <a:latin typeface="Calibri Light"/>
               </a:rPr>
-              <a:t>Prévisions pour l’ITE 2</a:t>
+              <a:t>Démonstration du site</a:t>
             </a:r>
-            <a:endParaRPr lang="fr-FR" sz="4400" b="0" strike="noStrike" spc="-1" dirty="0">
+            <a:endParaRPr lang="fr-FR" sz="4400" b="0" strike="noStrike" spc="-1">
               <a:latin typeface="Arial"/>
             </a:endParaRPr>
           </a:p>
@@ -7198,14 +7492,14 @@
       </p:sp>
       <p:sp>
         <p:nvSpPr>
-          <p:cNvPr id="130" name="TextShape 4"/>
+          <p:cNvPr id="125" name="TextShape 4"/>
           <p:cNvSpPr txBox="1"/>
           <p:nvPr/>
         </p:nvSpPr>
         <p:spPr>
           <a:xfrm>
-            <a:off x="838080" y="1997280"/>
-            <a:ext cx="10515240" cy="3330720"/>
+            <a:off x="838080" y="1724760"/>
+            <a:ext cx="11076120" cy="3909960"/>
           </a:xfrm>
           <a:prstGeom prst="rect">
             <a:avLst/>
@@ -7216,45 +7510,45 @@
           </a:ln>
         </p:spPr>
         <p:txBody>
-          <a:bodyPr/>
-          <a:lstStyle/>
-          <a:p>
-            <a:pPr>
+          <a:bodyPr>
+            <a:normAutofit/>
+          </a:bodyPr>
+          <a:lstStyle/>
+          <a:p>
+            <a:pPr marL="457560" indent="-457200">
               <a:lnSpc>
                 <a:spcPct val="90000"/>
               </a:lnSpc>
               <a:spcBef>
                 <a:spcPts val="1001"/>
               </a:spcBef>
+              <a:buClr>
+                <a:srgbClr val="000000"/>
+              </a:buClr>
+              <a:buFont typeface="Wingdings" panose="05000000000000000000" pitchFamily="2" charset="2"/>
+              <a:buChar char="q"/>
             </a:pPr>
-            <a:endParaRPr lang="fr-FR" sz="2800" b="0" strike="noStrike" spc="-1">
+            <a:r>
+              <a:rPr lang="fr-FR" sz="2800" spc="-1" dirty="0" err="1">
+                <a:solidFill>
+                  <a:srgbClr val="000000"/>
+                </a:solidFill>
+                <a:latin typeface="Calibri"/>
+              </a:rPr>
+              <a:t>CardStore</a:t>
+            </a:r>
+            <a:endParaRPr lang="fr-FR" sz="2800" b="0" strike="noStrike" spc="-1" dirty="0">
               <a:solidFill>
                 <a:srgbClr val="000000"/>
               </a:solidFill>
               <a:latin typeface="Calibri"/>
             </a:endParaRPr>
           </a:p>
-          <a:p>
-            <a:pPr>
-              <a:lnSpc>
-                <a:spcPct val="90000"/>
-              </a:lnSpc>
-              <a:spcBef>
-                <a:spcPts val="1001"/>
-              </a:spcBef>
-            </a:pPr>
-            <a:endParaRPr lang="fr-FR" sz="2800" b="0" strike="noStrike" spc="-1">
-              <a:solidFill>
-                <a:srgbClr val="000000"/>
-              </a:solidFill>
-              <a:latin typeface="Calibri"/>
-            </a:endParaRPr>
-          </a:p>
         </p:txBody>
       </p:sp>
       <p:pic>
         <p:nvPicPr>
-          <p:cNvPr id="131" name="Image 2"/>
+          <p:cNvPr id="126" name="Image 11"/>
           <p:cNvPicPr/>
           <p:nvPr/>
         </p:nvPicPr>
@@ -7264,7 +7558,7 @@
         </p:blipFill>
         <p:spPr>
           <a:xfrm>
-            <a:off x="10162800" y="6294600"/>
+            <a:off x="9976320" y="6177600"/>
             <a:ext cx="1938240" cy="497520"/>
           </a:xfrm>
           <a:prstGeom prst="rect">
@@ -7275,87 +7569,6 @@
           </a:ln>
         </p:spPr>
       </p:pic>
-      <p:sp>
-        <p:nvSpPr>
-          <p:cNvPr id="132" name="TextShape 5"/>
-          <p:cNvSpPr txBox="1"/>
-          <p:nvPr/>
-        </p:nvSpPr>
-        <p:spPr>
-          <a:xfrm>
-            <a:off x="2381040" y="2624760"/>
-            <a:ext cx="9720000" cy="4050720"/>
-          </a:xfrm>
-          <a:prstGeom prst="rect">
-            <a:avLst/>
-          </a:prstGeom>
-          <a:noFill/>
-          <a:ln>
-            <a:noFill/>
-          </a:ln>
-        </p:spPr>
-        <p:txBody>
-          <a:bodyPr lIns="90000" tIns="45000" rIns="90000" bIns="45000"/>
-          <a:lstStyle/>
-          <a:p>
-            <a:pPr marL="742950" indent="-742950">
-              <a:buClr>
-                <a:srgbClr val="000000"/>
-              </a:buClr>
-              <a:buSzPct val="45000"/>
-              <a:buFont typeface="Wingdings" panose="05000000000000000000" pitchFamily="2" charset="2"/>
-              <a:buChar char="q"/>
-            </a:pPr>
-            <a:r>
-              <a:rPr lang="fr-FR" sz="4400" b="0" strike="noStrike" spc="-1" dirty="0">
-                <a:latin typeface="Arial"/>
-              </a:rPr>
-              <a:t> V. </a:t>
-            </a:r>
-            <a:r>
-              <a:rPr lang="fr-FR" sz="4400" b="0" strike="noStrike" spc="-1" dirty="0" err="1">
-                <a:latin typeface="Arial"/>
-              </a:rPr>
-              <a:t>Cardstore</a:t>
-            </a:r>
-            <a:endParaRPr lang="fr-FR" sz="4400" b="0" strike="noStrike" spc="-1" dirty="0">
-              <a:latin typeface="Arial"/>
-            </a:endParaRPr>
-          </a:p>
-          <a:p>
-            <a:pPr marL="742950" indent="-742950">
-              <a:buClr>
-                <a:srgbClr val="000000"/>
-              </a:buClr>
-              <a:buSzPct val="45000"/>
-              <a:buFont typeface="Wingdings" panose="05000000000000000000" pitchFamily="2" charset="2"/>
-              <a:buChar char="q"/>
-            </a:pPr>
-            <a:r>
-              <a:rPr lang="fr-FR" sz="4400" b="0" strike="noStrike" spc="-1" dirty="0">
-                <a:latin typeface="Arial"/>
-              </a:rPr>
-              <a:t> Partie « admin »</a:t>
-            </a:r>
-          </a:p>
-          <a:p>
-            <a:pPr marL="742950" indent="-742950">
-              <a:buClr>
-                <a:srgbClr val="000000"/>
-              </a:buClr>
-              <a:buSzPct val="45000"/>
-              <a:buFont typeface="Wingdings" panose="05000000000000000000" pitchFamily="2" charset="2"/>
-              <a:buChar char="q"/>
-            </a:pPr>
-            <a:r>
-              <a:rPr lang="fr-FR" sz="4400" b="0" strike="noStrike" spc="-1" dirty="0">
-                <a:latin typeface="Arial"/>
-              </a:rPr>
-              <a:t> Amélioration du design</a:t>
-            </a:r>
-          </a:p>
-        </p:txBody>
-      </p:sp>
     </p:spTree>
   </p:cSld>
   <p:clrMapOvr>
